--- a/WEB_TEST01/doc/VirtualBox 네트워크 구성.20160406.pptx
+++ b/WEB_TEST01/doc/VirtualBox 네트워크 구성.20160406.pptx
@@ -288,6 +288,7 @@
           <a:p>
             <a:fld id="{0E47DA83-8971-4B02-97F8-9AEF317EE950}" type="datetimeFigureOut">
               <a:rPr lang="ko-KR" altLang="en-US" smtClean="0"/>
+              <a:pPr/>
               <a:t>2016-04-06</a:t>
             </a:fld>
             <a:endParaRPr lang="ko-KR" altLang="en-US"/>
@@ -330,6 +331,7 @@
           <a:p>
             <a:fld id="{17B7A86A-7E29-4992-89D7-C446F0DBCB26}" type="slidenum">
               <a:rPr lang="ko-KR" altLang="en-US" smtClean="0"/>
+              <a:pPr/>
               <a:t>‹#›</a:t>
             </a:fld>
             <a:endParaRPr lang="ko-KR" altLang="en-US"/>
@@ -453,6 +455,7 @@
           <a:p>
             <a:fld id="{0E47DA83-8971-4B02-97F8-9AEF317EE950}" type="datetimeFigureOut">
               <a:rPr lang="ko-KR" altLang="en-US" smtClean="0"/>
+              <a:pPr/>
               <a:t>2016-04-06</a:t>
             </a:fld>
             <a:endParaRPr lang="ko-KR" altLang="en-US"/>
@@ -495,6 +498,7 @@
           <a:p>
             <a:fld id="{17B7A86A-7E29-4992-89D7-C446F0DBCB26}" type="slidenum">
               <a:rPr lang="ko-KR" altLang="en-US" smtClean="0"/>
+              <a:pPr/>
               <a:t>‹#›</a:t>
             </a:fld>
             <a:endParaRPr lang="ko-KR" altLang="en-US"/>
@@ -628,6 +632,7 @@
           <a:p>
             <a:fld id="{0E47DA83-8971-4B02-97F8-9AEF317EE950}" type="datetimeFigureOut">
               <a:rPr lang="ko-KR" altLang="en-US" smtClean="0"/>
+              <a:pPr/>
               <a:t>2016-04-06</a:t>
             </a:fld>
             <a:endParaRPr lang="ko-KR" altLang="en-US"/>
@@ -670,6 +675,7 @@
           <a:p>
             <a:fld id="{17B7A86A-7E29-4992-89D7-C446F0DBCB26}" type="slidenum">
               <a:rPr lang="ko-KR" altLang="en-US" smtClean="0"/>
+              <a:pPr/>
               <a:t>‹#›</a:t>
             </a:fld>
             <a:endParaRPr lang="ko-KR" altLang="en-US"/>
@@ -793,6 +799,7 @@
           <a:p>
             <a:fld id="{0E47DA83-8971-4B02-97F8-9AEF317EE950}" type="datetimeFigureOut">
               <a:rPr lang="ko-KR" altLang="en-US" smtClean="0"/>
+              <a:pPr/>
               <a:t>2016-04-06</a:t>
             </a:fld>
             <a:endParaRPr lang="ko-KR" altLang="en-US"/>
@@ -835,6 +842,7 @@
           <a:p>
             <a:fld id="{17B7A86A-7E29-4992-89D7-C446F0DBCB26}" type="slidenum">
               <a:rPr lang="ko-KR" altLang="en-US" smtClean="0"/>
+              <a:pPr/>
               <a:t>‹#›</a:t>
             </a:fld>
             <a:endParaRPr lang="ko-KR" altLang="en-US"/>
@@ -1034,6 +1042,7 @@
           <a:p>
             <a:fld id="{0E47DA83-8971-4B02-97F8-9AEF317EE950}" type="datetimeFigureOut">
               <a:rPr lang="ko-KR" altLang="en-US" smtClean="0"/>
+              <a:pPr/>
               <a:t>2016-04-06</a:t>
             </a:fld>
             <a:endParaRPr lang="ko-KR" altLang="en-US"/>
@@ -1076,6 +1085,7 @@
           <a:p>
             <a:fld id="{17B7A86A-7E29-4992-89D7-C446F0DBCB26}" type="slidenum">
               <a:rPr lang="ko-KR" altLang="en-US" smtClean="0"/>
+              <a:pPr/>
               <a:t>‹#›</a:t>
             </a:fld>
             <a:endParaRPr lang="ko-KR" altLang="en-US"/>
@@ -1317,6 +1327,7 @@
           <a:p>
             <a:fld id="{0E47DA83-8971-4B02-97F8-9AEF317EE950}" type="datetimeFigureOut">
               <a:rPr lang="ko-KR" altLang="en-US" smtClean="0"/>
+              <a:pPr/>
               <a:t>2016-04-06</a:t>
             </a:fld>
             <a:endParaRPr lang="ko-KR" altLang="en-US"/>
@@ -1359,6 +1370,7 @@
           <a:p>
             <a:fld id="{17B7A86A-7E29-4992-89D7-C446F0DBCB26}" type="slidenum">
               <a:rPr lang="ko-KR" altLang="en-US" smtClean="0"/>
+              <a:pPr/>
               <a:t>‹#›</a:t>
             </a:fld>
             <a:endParaRPr lang="ko-KR" altLang="en-US"/>
@@ -1734,6 +1746,7 @@
           <a:p>
             <a:fld id="{0E47DA83-8971-4B02-97F8-9AEF317EE950}" type="datetimeFigureOut">
               <a:rPr lang="ko-KR" altLang="en-US" smtClean="0"/>
+              <a:pPr/>
               <a:t>2016-04-06</a:t>
             </a:fld>
             <a:endParaRPr lang="ko-KR" altLang="en-US"/>
@@ -1776,6 +1789,7 @@
           <a:p>
             <a:fld id="{17B7A86A-7E29-4992-89D7-C446F0DBCB26}" type="slidenum">
               <a:rPr lang="ko-KR" altLang="en-US" smtClean="0"/>
+              <a:pPr/>
               <a:t>‹#›</a:t>
             </a:fld>
             <a:endParaRPr lang="ko-KR" altLang="en-US"/>
@@ -1847,6 +1861,7 @@
           <a:p>
             <a:fld id="{0E47DA83-8971-4B02-97F8-9AEF317EE950}" type="datetimeFigureOut">
               <a:rPr lang="ko-KR" altLang="en-US" smtClean="0"/>
+              <a:pPr/>
               <a:t>2016-04-06</a:t>
             </a:fld>
             <a:endParaRPr lang="ko-KR" altLang="en-US"/>
@@ -1889,6 +1904,7 @@
           <a:p>
             <a:fld id="{17B7A86A-7E29-4992-89D7-C446F0DBCB26}" type="slidenum">
               <a:rPr lang="ko-KR" altLang="en-US" smtClean="0"/>
+              <a:pPr/>
               <a:t>‹#›</a:t>
             </a:fld>
             <a:endParaRPr lang="ko-KR" altLang="en-US"/>
@@ -1937,6 +1953,7 @@
           <a:p>
             <a:fld id="{0E47DA83-8971-4B02-97F8-9AEF317EE950}" type="datetimeFigureOut">
               <a:rPr lang="ko-KR" altLang="en-US" smtClean="0"/>
+              <a:pPr/>
               <a:t>2016-04-06</a:t>
             </a:fld>
             <a:endParaRPr lang="ko-KR" altLang="en-US"/>
@@ -1979,6 +1996,7 @@
           <a:p>
             <a:fld id="{17B7A86A-7E29-4992-89D7-C446F0DBCB26}" type="slidenum">
               <a:rPr lang="ko-KR" altLang="en-US" smtClean="0"/>
+              <a:pPr/>
               <a:t>‹#›</a:t>
             </a:fld>
             <a:endParaRPr lang="ko-KR" altLang="en-US"/>
@@ -2209,6 +2227,7 @@
           <a:p>
             <a:fld id="{0E47DA83-8971-4B02-97F8-9AEF317EE950}" type="datetimeFigureOut">
               <a:rPr lang="ko-KR" altLang="en-US" smtClean="0"/>
+              <a:pPr/>
               <a:t>2016-04-06</a:t>
             </a:fld>
             <a:endParaRPr lang="ko-KR" altLang="en-US"/>
@@ -2251,6 +2270,7 @@
           <a:p>
             <a:fld id="{17B7A86A-7E29-4992-89D7-C446F0DBCB26}" type="slidenum">
               <a:rPr lang="ko-KR" altLang="en-US" smtClean="0"/>
+              <a:pPr/>
               <a:t>‹#›</a:t>
             </a:fld>
             <a:endParaRPr lang="ko-KR" altLang="en-US"/>
@@ -2457,6 +2477,7 @@
           <a:p>
             <a:fld id="{0E47DA83-8971-4B02-97F8-9AEF317EE950}" type="datetimeFigureOut">
               <a:rPr lang="ko-KR" altLang="en-US" smtClean="0"/>
+              <a:pPr/>
               <a:t>2016-04-06</a:t>
             </a:fld>
             <a:endParaRPr lang="ko-KR" altLang="en-US"/>
@@ -2499,6 +2520,7 @@
           <a:p>
             <a:fld id="{17B7A86A-7E29-4992-89D7-C446F0DBCB26}" type="slidenum">
               <a:rPr lang="ko-KR" altLang="en-US" smtClean="0"/>
+              <a:pPr/>
               <a:t>‹#›</a:t>
             </a:fld>
             <a:endParaRPr lang="ko-KR" altLang="en-US"/>
@@ -2665,6 +2687,7 @@
           <a:p>
             <a:fld id="{0E47DA83-8971-4B02-97F8-9AEF317EE950}" type="datetimeFigureOut">
               <a:rPr lang="ko-KR" altLang="en-US" smtClean="0"/>
+              <a:pPr/>
               <a:t>2016-04-06</a:t>
             </a:fld>
             <a:endParaRPr lang="ko-KR" altLang="en-US"/>
@@ -2743,6 +2766,7 @@
           <a:p>
             <a:fld id="{17B7A86A-7E29-4992-89D7-C446F0DBCB26}" type="slidenum">
               <a:rPr lang="ko-KR" altLang="en-US" smtClean="0"/>
+              <a:pPr/>
               <a:t>‹#›</a:t>
             </a:fld>
             <a:endParaRPr lang="ko-KR" altLang="en-US"/>
@@ -5444,7 +5468,7 @@
                 <a:latin typeface="굴림체" pitchFamily="49" charset="-127"/>
                 <a:ea typeface="굴림체" pitchFamily="49" charset="-127"/>
               </a:rPr>
-              <a:t>o</a:t>
+              <a:t>x</a:t>
             </a:r>
             <a:endParaRPr lang="ko-KR" altLang="en-US" sz="1000" dirty="0">
               <a:latin typeface="굴림체" pitchFamily="49" charset="-127"/>
@@ -5572,7 +5596,23 @@
             </a:r>
             <a:r>
               <a:rPr lang="ko-KR" altLang="en-US" dirty="0" smtClean="0"/>
-              <a:t>네트워크 구성</a:t>
+              <a:t>네트워크 </a:t>
+            </a:r>
+            <a:r>
+              <a:rPr lang="ko-KR" altLang="en-US" dirty="0" smtClean="0"/>
+              <a:t>구성</a:t>
+            </a:r>
+            <a:r>
+              <a:rPr lang="en-US" altLang="ko-KR" dirty="0" smtClean="0"/>
+              <a:t>(</a:t>
+            </a:r>
+            <a:r>
+              <a:rPr lang="ko-KR" altLang="en-US" dirty="0" err="1" smtClean="0"/>
+              <a:t>바나히</a:t>
+            </a:r>
+            <a:r>
+              <a:rPr lang="en-US" altLang="ko-KR" smtClean="0"/>
+              <a:t>)</a:t>
             </a:r>
             <a:endParaRPr lang="ko-KR" altLang="en-US" dirty="0"/>
           </a:p>

--- a/WEB_TEST01/doc/VirtualBox 네트워크 구성.20160406.pptx
+++ b/WEB_TEST01/doc/VirtualBox 네트워크 구성.20160406.pptx
@@ -3213,7 +3213,7 @@
           <a:p>
             <a:pPr algn="ctr"/>
             <a:r>
-              <a:rPr lang="en-US" altLang="ko-KR" sz="800" b="1" dirty="0" smtClean="0">
+              <a:rPr lang="en-US" altLang="ko-KR" sz="800" b="1" u="sng" dirty="0" smtClean="0">
                 <a:solidFill>
                   <a:srgbClr val="FF0000"/>
                 </a:solidFill>
@@ -3707,7 +3707,7 @@
           <a:p>
             <a:pPr algn="ctr"/>
             <a:r>
-              <a:rPr lang="en-US" altLang="ko-KR" sz="800" b="1" dirty="0" smtClean="0">
+              <a:rPr lang="en-US" altLang="ko-KR" sz="800" b="1" u="sng" dirty="0" smtClean="0">
                 <a:solidFill>
                   <a:srgbClr val="FF0000"/>
                 </a:solidFill>
@@ -4211,7 +4211,7 @@
           <a:p>
             <a:pPr algn="ctr"/>
             <a:r>
-              <a:rPr lang="en-US" altLang="ko-KR" sz="800" b="1" dirty="0" smtClean="0">
+              <a:rPr lang="en-US" altLang="ko-KR" sz="800" b="1" u="sng" dirty="0" smtClean="0">
                 <a:solidFill>
                   <a:srgbClr val="FF0000"/>
                 </a:solidFill>
@@ -4715,7 +4715,7 @@
           <a:p>
             <a:pPr algn="ctr"/>
             <a:r>
-              <a:rPr lang="en-US" altLang="ko-KR" sz="800" b="1" dirty="0" smtClean="0">
+              <a:rPr lang="en-US" altLang="ko-KR" sz="800" b="1" u="sng" dirty="0" smtClean="0">
                 <a:solidFill>
                   <a:srgbClr val="FF0000"/>
                 </a:solidFill>
@@ -4728,7 +4728,7 @@
           <a:p>
             <a:pPr algn="ctr"/>
             <a:r>
-              <a:rPr lang="en-US" altLang="ko-KR" sz="800" b="1" dirty="0">
+              <a:rPr lang="en-US" altLang="ko-KR" sz="800" b="1" dirty="0" smtClean="0">
                 <a:solidFill>
                   <a:srgbClr val="FF0000"/>
                 </a:solidFill>
@@ -5219,7 +5219,7 @@
           <a:p>
             <a:pPr algn="ctr"/>
             <a:r>
-              <a:rPr lang="en-US" altLang="ko-KR" sz="800" b="1" dirty="0" smtClean="0">
+              <a:rPr lang="en-US" altLang="ko-KR" sz="800" b="1" u="sng" dirty="0" smtClean="0">
                 <a:solidFill>
                   <a:srgbClr val="FF0000"/>
                 </a:solidFill>
@@ -5596,11 +5596,7 @@
             </a:r>
             <a:r>
               <a:rPr lang="ko-KR" altLang="en-US" dirty="0" smtClean="0"/>
-              <a:t>네트워크 </a:t>
-            </a:r>
-            <a:r>
-              <a:rPr lang="ko-KR" altLang="en-US" dirty="0" smtClean="0"/>
-              <a:t>구성</a:t>
+              <a:t>네트워크 구성</a:t>
             </a:r>
             <a:r>
               <a:rPr lang="en-US" altLang="ko-KR" dirty="0" smtClean="0"/>
